--- a/Task_scheduling.pptx
+++ b/Task_scheduling.pptx
@@ -223,7 +223,7 @@
           <a:p>
             <a:fld id="{AF26D047-DD9E-40D2-A7F0-10261BEE45EA}" type="datetimeFigureOut">
               <a:rPr lang="it-IT" smtClean="0"/>
-              <a:t>27/07/2025</a:t>
+              <a:t>29/07/2025</a:t>
             </a:fld>
             <a:endParaRPr lang="it-IT"/>
           </a:p>
@@ -853,7 +853,7 @@
           <a:p>
             <a:fld id="{8A95CA13-DEB6-4040-953A-0C18F80E621A}" type="datetimeFigureOut">
               <a:rPr lang="it-IT" smtClean="0"/>
-              <a:t>27/07/2025</a:t>
+              <a:t>29/07/2025</a:t>
             </a:fld>
             <a:endParaRPr lang="it-IT"/>
           </a:p>
@@ -1051,7 +1051,7 @@
           <a:p>
             <a:fld id="{8A95CA13-DEB6-4040-953A-0C18F80E621A}" type="datetimeFigureOut">
               <a:rPr lang="it-IT" smtClean="0"/>
-              <a:t>27/07/2025</a:t>
+              <a:t>29/07/2025</a:t>
             </a:fld>
             <a:endParaRPr lang="it-IT"/>
           </a:p>
@@ -1259,7 +1259,7 @@
           <a:p>
             <a:fld id="{8A95CA13-DEB6-4040-953A-0C18F80E621A}" type="datetimeFigureOut">
               <a:rPr lang="it-IT" smtClean="0"/>
-              <a:t>27/07/2025</a:t>
+              <a:t>29/07/2025</a:t>
             </a:fld>
             <a:endParaRPr lang="it-IT"/>
           </a:p>
@@ -1457,7 +1457,7 @@
           <a:p>
             <a:fld id="{8A95CA13-DEB6-4040-953A-0C18F80E621A}" type="datetimeFigureOut">
               <a:rPr lang="it-IT" smtClean="0"/>
-              <a:t>27/07/2025</a:t>
+              <a:t>29/07/2025</a:t>
             </a:fld>
             <a:endParaRPr lang="it-IT"/>
           </a:p>
@@ -1732,7 +1732,7 @@
           <a:p>
             <a:fld id="{8A95CA13-DEB6-4040-953A-0C18F80E621A}" type="datetimeFigureOut">
               <a:rPr lang="it-IT" smtClean="0"/>
-              <a:t>27/07/2025</a:t>
+              <a:t>29/07/2025</a:t>
             </a:fld>
             <a:endParaRPr lang="it-IT"/>
           </a:p>
@@ -1997,7 +1997,7 @@
           <a:p>
             <a:fld id="{8A95CA13-DEB6-4040-953A-0C18F80E621A}" type="datetimeFigureOut">
               <a:rPr lang="it-IT" smtClean="0"/>
-              <a:t>27/07/2025</a:t>
+              <a:t>29/07/2025</a:t>
             </a:fld>
             <a:endParaRPr lang="it-IT"/>
           </a:p>
@@ -2409,7 +2409,7 @@
           <a:p>
             <a:fld id="{8A95CA13-DEB6-4040-953A-0C18F80E621A}" type="datetimeFigureOut">
               <a:rPr lang="it-IT" smtClean="0"/>
-              <a:t>27/07/2025</a:t>
+              <a:t>29/07/2025</a:t>
             </a:fld>
             <a:endParaRPr lang="it-IT"/>
           </a:p>
@@ -2550,7 +2550,7 @@
           <a:p>
             <a:fld id="{8A95CA13-DEB6-4040-953A-0C18F80E621A}" type="datetimeFigureOut">
               <a:rPr lang="it-IT" smtClean="0"/>
-              <a:t>27/07/2025</a:t>
+              <a:t>29/07/2025</a:t>
             </a:fld>
             <a:endParaRPr lang="it-IT"/>
           </a:p>
@@ -2663,7 +2663,7 @@
           <a:p>
             <a:fld id="{8A95CA13-DEB6-4040-953A-0C18F80E621A}" type="datetimeFigureOut">
               <a:rPr lang="it-IT" smtClean="0"/>
-              <a:t>27/07/2025</a:t>
+              <a:t>29/07/2025</a:t>
             </a:fld>
             <a:endParaRPr lang="it-IT"/>
           </a:p>
@@ -2974,7 +2974,7 @@
           <a:p>
             <a:fld id="{8A95CA13-DEB6-4040-953A-0C18F80E621A}" type="datetimeFigureOut">
               <a:rPr lang="it-IT" smtClean="0"/>
-              <a:t>27/07/2025</a:t>
+              <a:t>29/07/2025</a:t>
             </a:fld>
             <a:endParaRPr lang="it-IT"/>
           </a:p>
@@ -3262,7 +3262,7 @@
           <a:p>
             <a:fld id="{8A95CA13-DEB6-4040-953A-0C18F80E621A}" type="datetimeFigureOut">
               <a:rPr lang="it-IT" smtClean="0"/>
-              <a:t>27/07/2025</a:t>
+              <a:t>29/07/2025</a:t>
             </a:fld>
             <a:endParaRPr lang="it-IT"/>
           </a:p>
@@ -3503,7 +3503,7 @@
           <a:p>
             <a:fld id="{8A95CA13-DEB6-4040-953A-0C18F80E621A}" type="datetimeFigureOut">
               <a:rPr lang="it-IT" smtClean="0"/>
-              <a:t>27/07/2025</a:t>
+              <a:t>29/07/2025</a:t>
             </a:fld>
             <a:endParaRPr lang="it-IT"/>
           </a:p>
@@ -4298,14 +4298,14 @@
           <a:effectLst/>
           <a:extLst>
             <a:ext uri="{909E8E84-426E-40dd-AFC4-6F175D3DCCD1}">
-              <a14:hiddenFill xmlns="" xmlns:a14="http://schemas.microsoft.com/office/drawing/2010/main">
+              <a14:hiddenFill xmlns:a14="http://schemas.microsoft.com/office/drawing/2010/main" xmlns="">
                 <a:solidFill>
                   <a:srgbClr val="FFFFFF"/>
                 </a:solidFill>
               </a14:hiddenFill>
             </a:ext>
             <a:ext uri="{91240B29-F687-4f45-9708-019B960494DF}">
-              <a14:hiddenLine xmlns="" xmlns:a14="http://schemas.microsoft.com/office/drawing/2010/main" w="9525">
+              <a14:hiddenLine xmlns:a14="http://schemas.microsoft.com/office/drawing/2010/main" xmlns="" w="9525">
                 <a:solidFill>
                   <a:srgbClr val="808080"/>
                 </a:solidFill>
@@ -4315,7 +4315,7 @@
               </a14:hiddenLine>
             </a:ext>
             <a:ext uri="{AF507438-7753-43e0-B8FC-AC1667EBCBE1}">
-              <a14:hiddenEffects xmlns="" xmlns:a14="http://schemas.microsoft.com/office/drawing/2010/main">
+              <a14:hiddenEffects xmlns:a14="http://schemas.microsoft.com/office/drawing/2010/main" xmlns="">
                 <a:effectLst>
                   <a:outerShdw blurRad="63500" dist="38099" dir="2700000" algn="ctr" rotWithShape="0">
                     <a:srgbClr val="000000">
@@ -4654,14 +4654,14 @@
           <a:effectLst/>
           <a:extLst>
             <a:ext uri="{909E8E84-426E-40dd-AFC4-6F175D3DCCD1}">
-              <a14:hiddenFill xmlns="" xmlns:a14="http://schemas.microsoft.com/office/drawing/2010/main">
+              <a14:hiddenFill xmlns:a14="http://schemas.microsoft.com/office/drawing/2010/main" xmlns="">
                 <a:solidFill>
                   <a:srgbClr val="FFFFFF"/>
                 </a:solidFill>
               </a14:hiddenFill>
             </a:ext>
             <a:ext uri="{91240B29-F687-4f45-9708-019B960494DF}">
-              <a14:hiddenLine xmlns="" xmlns:a14="http://schemas.microsoft.com/office/drawing/2010/main" w="9525">
+              <a14:hiddenLine xmlns:a14="http://schemas.microsoft.com/office/drawing/2010/main" xmlns="" w="9525">
                 <a:solidFill>
                   <a:srgbClr val="808080"/>
                 </a:solidFill>
@@ -4671,7 +4671,7 @@
               </a14:hiddenLine>
             </a:ext>
             <a:ext uri="{AF507438-7753-43e0-B8FC-AC1667EBCBE1}">
-              <a14:hiddenEffects xmlns="" xmlns:a14="http://schemas.microsoft.com/office/drawing/2010/main">
+              <a14:hiddenEffects xmlns:a14="http://schemas.microsoft.com/office/drawing/2010/main" xmlns="">
                 <a:effectLst>
                   <a:outerShdw blurRad="63500" dist="38099" dir="2700000" algn="ctr" rotWithShape="0">
                     <a:srgbClr val="000000">
@@ -4995,14 +4995,14 @@
           <a:effectLst/>
           <a:extLst>
             <a:ext uri="{909E8E84-426E-40dd-AFC4-6F175D3DCCD1}">
-              <a14:hiddenFill xmlns="" xmlns:a14="http://schemas.microsoft.com/office/drawing/2010/main">
+              <a14:hiddenFill xmlns:a14="http://schemas.microsoft.com/office/drawing/2010/main" xmlns="">
                 <a:solidFill>
                   <a:srgbClr val="FFFFFF"/>
                 </a:solidFill>
               </a14:hiddenFill>
             </a:ext>
             <a:ext uri="{91240B29-F687-4f45-9708-019B960494DF}">
-              <a14:hiddenLine xmlns="" xmlns:a14="http://schemas.microsoft.com/office/drawing/2010/main" w="9525">
+              <a14:hiddenLine xmlns:a14="http://schemas.microsoft.com/office/drawing/2010/main" xmlns="" w="9525">
                 <a:solidFill>
                   <a:srgbClr val="808080"/>
                 </a:solidFill>
@@ -5012,7 +5012,7 @@
               </a14:hiddenLine>
             </a:ext>
             <a:ext uri="{AF507438-7753-43e0-B8FC-AC1667EBCBE1}">
-              <a14:hiddenEffects xmlns="" xmlns:a14="http://schemas.microsoft.com/office/drawing/2010/main">
+              <a14:hiddenEffects xmlns:a14="http://schemas.microsoft.com/office/drawing/2010/main" xmlns="">
                 <a:effectLst>
                   <a:outerShdw blurRad="63500" dist="38099" dir="2700000" algn="ctr" rotWithShape="0">
                     <a:srgbClr val="000000">
@@ -5399,13 +5399,13 @@
   <p:clrMapOvr>
     <a:masterClrMapping/>
   </p:clrMapOvr>
-  <mc:AlternateContent xmlns:mc="http://schemas.openxmlformats.org/markup-compatibility/2006">
-    <mc:Choice xmlns:p14="http://schemas.microsoft.com/office/powerpoint/2010/main" Requires="p14">
+  <mc:AlternateContent xmlns:mc="http://schemas.openxmlformats.org/markup-compatibility/2006" xmlns:p14="http://schemas.microsoft.com/office/powerpoint/2010/main">
+    <mc:Choice Requires="p14">
       <p:transition spd="med" p14:dur="700">
         <p:fade/>
       </p:transition>
     </mc:Choice>
-    <mc:Fallback>
+    <mc:Fallback xmlns="">
       <p:transition spd="med">
         <p:fade/>
       </p:transition>
@@ -7486,7 +7486,7 @@
         </p:nvSpPr>
         <p:spPr>
           <a:xfrm>
-            <a:off x="1206371" y="3354175"/>
+            <a:off x="1212467" y="3341983"/>
             <a:ext cx="540000" cy="540000"/>
           </a:xfrm>
           <a:prstGeom prst="ellipse">
@@ -7698,7 +7698,7 @@
         </p:nvSpPr>
         <p:spPr>
           <a:xfrm>
-            <a:off x="7923999" y="4013789"/>
+            <a:off x="7923999" y="4025981"/>
             <a:ext cx="649907" cy="414323"/>
           </a:xfrm>
           <a:prstGeom prst="rect">
@@ -7747,7 +7747,7 @@
         </p:nvSpPr>
         <p:spPr>
           <a:xfrm>
-            <a:off x="1176350" y="2231622"/>
+            <a:off x="1164158" y="2231622"/>
             <a:ext cx="540000" cy="1107996"/>
           </a:xfrm>
           <a:prstGeom prst="rect">
@@ -7789,7 +7789,7 @@
         </p:nvSpPr>
         <p:spPr>
           <a:xfrm>
-            <a:off x="1176347" y="3059923"/>
+            <a:off x="1151048" y="3038805"/>
             <a:ext cx="690306" cy="1107996"/>
           </a:xfrm>
           <a:prstGeom prst="rect">
@@ -7942,13 +7942,13 @@
   <p:clrMapOvr>
     <a:masterClrMapping/>
   </p:clrMapOvr>
-  <mc:AlternateContent xmlns:mc="http://schemas.openxmlformats.org/markup-compatibility/2006">
-    <mc:Choice xmlns:p14="http://schemas.microsoft.com/office/powerpoint/2010/main" Requires="p14">
+  <mc:AlternateContent xmlns:mc="http://schemas.openxmlformats.org/markup-compatibility/2006" xmlns:p14="http://schemas.microsoft.com/office/powerpoint/2010/main">
+    <mc:Choice Requires="p14">
       <p:transition spd="med" p14:dur="700">
         <p:fade/>
       </p:transition>
     </mc:Choice>
-    <mc:Fallback>
+    <mc:Fallback xmlns="">
       <p:transition spd="med">
         <p:fade/>
       </p:transition>
@@ -10607,7 +10607,7 @@
         </p:nvSpPr>
         <p:spPr>
           <a:xfrm>
-            <a:off x="1185413" y="2222782"/>
+            <a:off x="1167125" y="2222782"/>
             <a:ext cx="540000" cy="1107996"/>
           </a:xfrm>
           <a:prstGeom prst="rect">
@@ -11729,7 +11729,7 @@
         </p:nvSpPr>
         <p:spPr>
           <a:xfrm>
-            <a:off x="7923999" y="4013789"/>
+            <a:off x="7923999" y="4025981"/>
             <a:ext cx="649907" cy="414323"/>
           </a:xfrm>
           <a:prstGeom prst="rect">
@@ -11813,7 +11813,7 @@
         </p:nvSpPr>
         <p:spPr>
           <a:xfrm>
-            <a:off x="7925022" y="3429000"/>
+            <a:off x="7925022" y="3435096"/>
             <a:ext cx="649907" cy="594751"/>
           </a:xfrm>
           <a:prstGeom prst="rect">
@@ -11867,7 +11867,7 @@
         </p:nvSpPr>
         <p:spPr>
           <a:xfrm>
-            <a:off x="7919637" y="3113203"/>
+            <a:off x="7918394" y="3121136"/>
             <a:ext cx="649907" cy="338284"/>
           </a:xfrm>
           <a:prstGeom prst="rect">
@@ -11968,7 +11968,7 @@
         </p:nvSpPr>
         <p:spPr>
           <a:xfrm>
-            <a:off x="8948500" y="3569094"/>
+            <a:off x="8947944" y="3581286"/>
             <a:ext cx="649907" cy="346140"/>
           </a:xfrm>
           <a:prstGeom prst="rect">
@@ -12074,7 +12074,7 @@
         </p:nvSpPr>
         <p:spPr>
           <a:xfrm>
-            <a:off x="9975869" y="4589528"/>
+            <a:off x="9981965" y="4589528"/>
             <a:ext cx="649907" cy="501425"/>
           </a:xfrm>
           <a:prstGeom prst="rect">
@@ -12123,7 +12123,7 @@
         </p:nvSpPr>
         <p:spPr>
           <a:xfrm>
-            <a:off x="9977827" y="3930245"/>
+            <a:off x="9983923" y="3930245"/>
             <a:ext cx="649907" cy="668239"/>
           </a:xfrm>
           <a:prstGeom prst="rect">
@@ -12175,7 +12175,7 @@
         </p:nvSpPr>
         <p:spPr>
           <a:xfrm>
-            <a:off x="9977308" y="3504813"/>
+            <a:off x="9983923" y="3504813"/>
             <a:ext cx="649907" cy="419575"/>
           </a:xfrm>
           <a:prstGeom prst="rect">
@@ -20267,13 +20267,13 @@
   <p:clrMapOvr>
     <a:masterClrMapping/>
   </p:clrMapOvr>
-  <mc:AlternateContent xmlns:mc="http://schemas.openxmlformats.org/markup-compatibility/2006">
-    <mc:Choice xmlns:p14="http://schemas.microsoft.com/office/powerpoint/2010/main" Requires="p14">
+  <mc:AlternateContent xmlns:mc="http://schemas.openxmlformats.org/markup-compatibility/2006" xmlns:p14="http://schemas.microsoft.com/office/powerpoint/2010/main">
+    <mc:Choice Requires="p14">
       <p:transition spd="med" p14:dur="700">
         <p:fade/>
       </p:transition>
     </mc:Choice>
-    <mc:Fallback>
+    <mc:Fallback xmlns="">
       <p:transition spd="med">
         <p:fade/>
       </p:transition>
@@ -21055,13 +21055,13 @@
   <p:clrMapOvr>
     <a:masterClrMapping/>
   </p:clrMapOvr>
-  <mc:AlternateContent xmlns:mc="http://schemas.openxmlformats.org/markup-compatibility/2006">
-    <mc:Choice xmlns:p14="http://schemas.microsoft.com/office/powerpoint/2010/main" Requires="p14">
+  <mc:AlternateContent xmlns:mc="http://schemas.openxmlformats.org/markup-compatibility/2006" xmlns:p14="http://schemas.microsoft.com/office/powerpoint/2010/main">
+    <mc:Choice Requires="p14">
       <p:transition spd="med" p14:dur="700">
         <p:fade/>
       </p:transition>
     </mc:Choice>
-    <mc:Fallback>
+    <mc:Fallback xmlns="">
       <p:transition spd="med">
         <p:fade/>
       </p:transition>
@@ -21608,14 +21608,14 @@
           <a:effectLst/>
           <a:extLst>
             <a:ext uri="{909E8E84-426E-40dd-AFC4-6F175D3DCCD1}">
-              <a14:hiddenFill xmlns="" xmlns:a14="http://schemas.microsoft.com/office/drawing/2010/main">
+              <a14:hiddenFill xmlns:a14="http://schemas.microsoft.com/office/drawing/2010/main" xmlns="">
                 <a:solidFill>
                   <a:srgbClr val="FFFFFF"/>
                 </a:solidFill>
               </a14:hiddenFill>
             </a:ext>
             <a:ext uri="{91240B29-F687-4f45-9708-019B960494DF}">
-              <a14:hiddenLine xmlns="" xmlns:a14="http://schemas.microsoft.com/office/drawing/2010/main" w="9525">
+              <a14:hiddenLine xmlns:a14="http://schemas.microsoft.com/office/drawing/2010/main" xmlns="" w="9525">
                 <a:solidFill>
                   <a:srgbClr val="808080"/>
                 </a:solidFill>
@@ -21625,7 +21625,7 @@
               </a14:hiddenLine>
             </a:ext>
             <a:ext uri="{AF507438-7753-43e0-B8FC-AC1667EBCBE1}">
-              <a14:hiddenEffects xmlns="" xmlns:a14="http://schemas.microsoft.com/office/drawing/2010/main">
+              <a14:hiddenEffects xmlns:a14="http://schemas.microsoft.com/office/drawing/2010/main" xmlns="">
                 <a:effectLst>
                   <a:outerShdw blurRad="63500" dist="38099" dir="2700000" algn="ctr" rotWithShape="0">
                     <a:srgbClr val="000000">
@@ -21964,14 +21964,14 @@
           <a:effectLst/>
           <a:extLst>
             <a:ext uri="{909E8E84-426E-40dd-AFC4-6F175D3DCCD1}">
-              <a14:hiddenFill xmlns="" xmlns:a14="http://schemas.microsoft.com/office/drawing/2010/main">
+              <a14:hiddenFill xmlns:a14="http://schemas.microsoft.com/office/drawing/2010/main" xmlns="">
                 <a:solidFill>
                   <a:srgbClr val="FFFFFF"/>
                 </a:solidFill>
               </a14:hiddenFill>
             </a:ext>
             <a:ext uri="{91240B29-F687-4f45-9708-019B960494DF}">
-              <a14:hiddenLine xmlns="" xmlns:a14="http://schemas.microsoft.com/office/drawing/2010/main" w="9525">
+              <a14:hiddenLine xmlns:a14="http://schemas.microsoft.com/office/drawing/2010/main" xmlns="" w="9525">
                 <a:solidFill>
                   <a:srgbClr val="808080"/>
                 </a:solidFill>
@@ -21981,7 +21981,7 @@
               </a14:hiddenLine>
             </a:ext>
             <a:ext uri="{AF507438-7753-43e0-B8FC-AC1667EBCBE1}">
-              <a14:hiddenEffects xmlns="" xmlns:a14="http://schemas.microsoft.com/office/drawing/2010/main">
+              <a14:hiddenEffects xmlns:a14="http://schemas.microsoft.com/office/drawing/2010/main" xmlns="">
                 <a:effectLst>
                   <a:outerShdw blurRad="63500" dist="38099" dir="2700000" algn="ctr" rotWithShape="0">
                     <a:srgbClr val="000000">
@@ -22305,14 +22305,14 @@
           <a:effectLst/>
           <a:extLst>
             <a:ext uri="{909E8E84-426E-40dd-AFC4-6F175D3DCCD1}">
-              <a14:hiddenFill xmlns="" xmlns:a14="http://schemas.microsoft.com/office/drawing/2010/main">
+              <a14:hiddenFill xmlns:a14="http://schemas.microsoft.com/office/drawing/2010/main" xmlns="">
                 <a:solidFill>
                   <a:srgbClr val="FFFFFF"/>
                 </a:solidFill>
               </a14:hiddenFill>
             </a:ext>
             <a:ext uri="{91240B29-F687-4f45-9708-019B960494DF}">
-              <a14:hiddenLine xmlns="" xmlns:a14="http://schemas.microsoft.com/office/drawing/2010/main" w="9525">
+              <a14:hiddenLine xmlns:a14="http://schemas.microsoft.com/office/drawing/2010/main" xmlns="" w="9525">
                 <a:solidFill>
                   <a:srgbClr val="808080"/>
                 </a:solidFill>
@@ -22322,7 +22322,7 @@
               </a14:hiddenLine>
             </a:ext>
             <a:ext uri="{AF507438-7753-43e0-B8FC-AC1667EBCBE1}">
-              <a14:hiddenEffects xmlns="" xmlns:a14="http://schemas.microsoft.com/office/drawing/2010/main">
+              <a14:hiddenEffects xmlns:a14="http://schemas.microsoft.com/office/drawing/2010/main" xmlns="">
                 <a:effectLst>
                   <a:outerShdw blurRad="63500" dist="38099" dir="2700000" algn="ctr" rotWithShape="0">
                     <a:srgbClr val="000000">
@@ -22929,13 +22929,13 @@
   <p:clrMapOvr>
     <a:masterClrMapping/>
   </p:clrMapOvr>
-  <mc:AlternateContent xmlns:mc="http://schemas.openxmlformats.org/markup-compatibility/2006">
-    <mc:Choice xmlns:p14="http://schemas.microsoft.com/office/powerpoint/2010/main" Requires="p14">
+  <mc:AlternateContent xmlns:mc="http://schemas.openxmlformats.org/markup-compatibility/2006" xmlns:p14="http://schemas.microsoft.com/office/powerpoint/2010/main">
+    <mc:Choice Requires="p14">
       <p:transition spd="med" p14:dur="700">
         <p:fade/>
       </p:transition>
     </mc:Choice>
-    <mc:Fallback>
+    <mc:Fallback xmlns="">
       <p:transition spd="med">
         <p:fade/>
       </p:transition>
@@ -23571,13 +23571,13 @@
   <p:clrMapOvr>
     <a:masterClrMapping/>
   </p:clrMapOvr>
-  <mc:AlternateContent xmlns:mc="http://schemas.openxmlformats.org/markup-compatibility/2006">
-    <mc:Choice xmlns:p14="http://schemas.microsoft.com/office/powerpoint/2010/main" Requires="p14">
+  <mc:AlternateContent xmlns:mc="http://schemas.openxmlformats.org/markup-compatibility/2006" xmlns:p14="http://schemas.microsoft.com/office/powerpoint/2010/main">
+    <mc:Choice Requires="p14">
       <p:transition spd="med" p14:dur="700">
         <p:fade/>
       </p:transition>
     </mc:Choice>
-    <mc:Fallback>
+    <mc:Fallback xmlns="">
       <p:transition spd="med">
         <p:fade/>
       </p:transition>
@@ -24066,13 +24066,13 @@
   <p:clrMapOvr>
     <a:masterClrMapping/>
   </p:clrMapOvr>
-  <mc:AlternateContent xmlns:mc="http://schemas.openxmlformats.org/markup-compatibility/2006">
-    <mc:Choice xmlns:p14="http://schemas.microsoft.com/office/powerpoint/2010/main" Requires="p14">
+  <mc:AlternateContent xmlns:mc="http://schemas.openxmlformats.org/markup-compatibility/2006" xmlns:p14="http://schemas.microsoft.com/office/powerpoint/2010/main">
+    <mc:Choice Requires="p14">
       <p:transition spd="med" p14:dur="700">
         <p:fade/>
       </p:transition>
     </mc:Choice>
-    <mc:Fallback>
+    <mc:Fallback xmlns="">
       <p:transition spd="med">
         <p:fade/>
       </p:transition>
@@ -24773,13 +24773,13 @@
   <p:clrMapOvr>
     <a:masterClrMapping/>
   </p:clrMapOvr>
-  <mc:AlternateContent xmlns:mc="http://schemas.openxmlformats.org/markup-compatibility/2006">
-    <mc:Choice xmlns:p14="http://schemas.microsoft.com/office/powerpoint/2010/main" Requires="p14">
+  <mc:AlternateContent xmlns:mc="http://schemas.openxmlformats.org/markup-compatibility/2006" xmlns:p14="http://schemas.microsoft.com/office/powerpoint/2010/main">
+    <mc:Choice Requires="p14">
       <p:transition spd="med" p14:dur="700">
         <p:fade/>
       </p:transition>
     </mc:Choice>
-    <mc:Fallback>
+    <mc:Fallback xmlns="">
       <p:transition spd="med">
         <p:fade/>
       </p:transition>
@@ -25736,13 +25736,13 @@
   <p:clrMapOvr>
     <a:masterClrMapping/>
   </p:clrMapOvr>
-  <mc:AlternateContent xmlns:mc="http://schemas.openxmlformats.org/markup-compatibility/2006">
-    <mc:Choice xmlns:p14="http://schemas.microsoft.com/office/powerpoint/2010/main" Requires="p14">
+  <mc:AlternateContent xmlns:mc="http://schemas.openxmlformats.org/markup-compatibility/2006" xmlns:p14="http://schemas.microsoft.com/office/powerpoint/2010/main">
+    <mc:Choice Requires="p14">
       <p:transition spd="med" p14:dur="700">
         <p:fade/>
       </p:transition>
     </mc:Choice>
-    <mc:Fallback>
+    <mc:Fallback xmlns="">
       <p:transition spd="med">
         <p:fade/>
       </p:transition>
@@ -26937,13 +26937,13 @@
   <p:clrMapOvr>
     <a:masterClrMapping/>
   </p:clrMapOvr>
-  <mc:AlternateContent xmlns:mc="http://schemas.openxmlformats.org/markup-compatibility/2006">
-    <mc:Choice xmlns:p14="http://schemas.microsoft.com/office/powerpoint/2010/main" Requires="p14">
+  <mc:AlternateContent xmlns:mc="http://schemas.openxmlformats.org/markup-compatibility/2006" xmlns:p14="http://schemas.microsoft.com/office/powerpoint/2010/main">
+    <mc:Choice Requires="p14">
       <p:transition spd="med" p14:dur="700">
         <p:fade/>
       </p:transition>
     </mc:Choice>
-    <mc:Fallback>
+    <mc:Fallback xmlns="">
       <p:transition spd="med">
         <p:fade/>
       </p:transition>
@@ -27779,7 +27779,7 @@
           <a:graphicData uri="http://schemas.openxmlformats.org/presentationml/2006/ole">
             <mc:AlternateContent xmlns:mc="http://schemas.openxmlformats.org/markup-compatibility/2006">
               <mc:Choice xmlns:v="urn:schemas-microsoft-com:vml" Requires="v">
-                <p:oleObj spid="_x0000_s2063" name="Worksheet" r:id="rId7" imgW="7139975" imgH="3848297" progId="Excel.Sheet.12">
+                <p:oleObj spid="_x0000_s2064" name="Worksheet" r:id="rId7" imgW="7139975" imgH="3848297" progId="Excel.Sheet.12">
                   <p:embed/>
                 </p:oleObj>
               </mc:Choice>
@@ -27921,13 +27921,13 @@
   <p:clrMapOvr>
     <a:masterClrMapping/>
   </p:clrMapOvr>
-  <mc:AlternateContent xmlns:mc="http://schemas.openxmlformats.org/markup-compatibility/2006">
-    <mc:Choice xmlns:p14="http://schemas.microsoft.com/office/powerpoint/2010/main" Requires="p14">
+  <mc:AlternateContent xmlns:mc="http://schemas.openxmlformats.org/markup-compatibility/2006" xmlns:p14="http://schemas.microsoft.com/office/powerpoint/2010/main">
+    <mc:Choice Requires="p14">
       <p:transition spd="med" p14:dur="700">
         <p:fade/>
       </p:transition>
     </mc:Choice>
-    <mc:Fallback>
+    <mc:Fallback xmlns="">
       <p:transition spd="med">
         <p:fade/>
       </p:transition>
@@ -28842,13 +28842,13 @@
   <p:clrMapOvr>
     <a:masterClrMapping/>
   </p:clrMapOvr>
-  <mc:AlternateContent xmlns:mc="http://schemas.openxmlformats.org/markup-compatibility/2006">
-    <mc:Choice xmlns:p14="http://schemas.microsoft.com/office/powerpoint/2010/main" Requires="p14">
+  <mc:AlternateContent xmlns:mc="http://schemas.openxmlformats.org/markup-compatibility/2006" xmlns:p14="http://schemas.microsoft.com/office/powerpoint/2010/main">
+    <mc:Choice Requires="p14">
       <p:transition spd="med" p14:dur="700">
         <p:fade/>
       </p:transition>
     </mc:Choice>
-    <mc:Fallback>
+    <mc:Fallback xmlns="">
       <p:transition spd="med">
         <p:fade/>
       </p:transition>
@@ -29600,7 +29600,7 @@
           <a:graphicData uri="http://schemas.openxmlformats.org/presentationml/2006/ole">
             <mc:AlternateContent xmlns:mc="http://schemas.openxmlformats.org/markup-compatibility/2006">
               <mc:Choice xmlns:v="urn:schemas-microsoft-com:vml" Requires="v">
-                <p:oleObj spid="_x0000_s4109" name="Worksheet" r:id="rId7" imgW="7139975" imgH="3848297" progId="Excel.Sheet.12">
+                <p:oleObj spid="_x0000_s4110" name="Worksheet" r:id="rId7" imgW="7139975" imgH="3848297" progId="Excel.Sheet.12">
                   <p:embed/>
                 </p:oleObj>
               </mc:Choice>
@@ -29748,13 +29748,13 @@
   <p:clrMapOvr>
     <a:masterClrMapping/>
   </p:clrMapOvr>
-  <mc:AlternateContent xmlns:mc="http://schemas.openxmlformats.org/markup-compatibility/2006">
-    <mc:Choice xmlns:p14="http://schemas.microsoft.com/office/powerpoint/2010/main" Requires="p14">
+  <mc:AlternateContent xmlns:mc="http://schemas.openxmlformats.org/markup-compatibility/2006" xmlns:p14="http://schemas.microsoft.com/office/powerpoint/2010/main">
+    <mc:Choice Requires="p14">
       <p:transition spd="med" p14:dur="700">
         <p:fade/>
       </p:transition>
     </mc:Choice>
-    <mc:Fallback>
+    <mc:Fallback xmlns="">
       <p:transition spd="med">
         <p:fade/>
       </p:transition>
